--- a/doc/meeting/0919-DistributedGBT-II/datapartition.pptx
+++ b/doc/meeting/0919-DistributedGBT-II/datapartition.pptx
@@ -132,7 +132,7 @@
             <a:spLocks noGrp="1"/>
           </p:cNvSpPr>
           <p:nvPr>
-            <p:ph type="ctrTitle"/>
+            <p:ph type="ctrTitle" hasCustomPrompt="1"/>
           </p:nvPr>
         </p:nvSpPr>
         <p:spPr>
@@ -164,7 +164,7 @@
             <a:spLocks noGrp="1"/>
           </p:cNvSpPr>
           <p:nvPr>
-            <p:ph type="subTitle" idx="1"/>
+            <p:ph type="subTitle" idx="1" hasCustomPrompt="1"/>
           </p:nvPr>
         </p:nvSpPr>
         <p:spPr>
@@ -317,7 +317,7 @@
             <a:spLocks noGrp="1"/>
           </p:cNvSpPr>
           <p:nvPr>
-            <p:ph type="title"/>
+            <p:ph type="title" hasCustomPrompt="1"/>
           </p:nvPr>
         </p:nvSpPr>
         <p:spPr/>
@@ -340,7 +340,7 @@
             <a:spLocks noGrp="1"/>
           </p:cNvSpPr>
           <p:nvPr>
-            <p:ph type="body" orient="vert" idx="1"/>
+            <p:ph type="body" orient="vert" idx="1" hasCustomPrompt="1"/>
           </p:nvPr>
         </p:nvSpPr>
         <p:spPr/>
@@ -484,7 +484,7 @@
             <a:spLocks noGrp="1"/>
           </p:cNvSpPr>
           <p:nvPr>
-            <p:ph type="title" orient="vert"/>
+            <p:ph type="title" orient="vert" hasCustomPrompt="1"/>
           </p:nvPr>
         </p:nvSpPr>
         <p:spPr>
@@ -512,7 +512,7 @@
             <a:spLocks noGrp="1"/>
           </p:cNvSpPr>
           <p:nvPr>
-            <p:ph type="body" orient="vert" idx="1"/>
+            <p:ph type="body" orient="vert" idx="1" hasCustomPrompt="1"/>
           </p:nvPr>
         </p:nvSpPr>
         <p:spPr>
@@ -661,7 +661,7 @@
             <a:spLocks noGrp="1"/>
           </p:cNvSpPr>
           <p:nvPr>
-            <p:ph type="title"/>
+            <p:ph type="title" hasCustomPrompt="1"/>
           </p:nvPr>
         </p:nvSpPr>
         <p:spPr/>
@@ -684,7 +684,7 @@
             <a:spLocks noGrp="1"/>
           </p:cNvSpPr>
           <p:nvPr>
-            <p:ph idx="1"/>
+            <p:ph idx="1" hasCustomPrompt="1"/>
           </p:nvPr>
         </p:nvSpPr>
         <p:spPr/>
@@ -828,7 +828,7 @@
             <a:spLocks noGrp="1"/>
           </p:cNvSpPr>
           <p:nvPr>
-            <p:ph type="title"/>
+            <p:ph type="title" hasCustomPrompt="1"/>
           </p:nvPr>
         </p:nvSpPr>
         <p:spPr>
@@ -860,7 +860,7 @@
             <a:spLocks noGrp="1"/>
           </p:cNvSpPr>
           <p:nvPr>
-            <p:ph type="body" idx="1"/>
+            <p:ph type="body" idx="1" hasCustomPrompt="1"/>
           </p:nvPr>
         </p:nvSpPr>
         <p:spPr>
@@ -1067,7 +1067,7 @@
             <a:spLocks noGrp="1"/>
           </p:cNvSpPr>
           <p:nvPr>
-            <p:ph type="title"/>
+            <p:ph type="title" hasCustomPrompt="1"/>
           </p:nvPr>
         </p:nvSpPr>
         <p:spPr/>
@@ -1090,7 +1090,7 @@
             <a:spLocks noGrp="1"/>
           </p:cNvSpPr>
           <p:nvPr>
-            <p:ph sz="half" idx="1"/>
+            <p:ph sz="half" idx="1" hasCustomPrompt="1"/>
           </p:nvPr>
         </p:nvSpPr>
         <p:spPr>
@@ -1151,7 +1151,7 @@
             <a:spLocks noGrp="1"/>
           </p:cNvSpPr>
           <p:nvPr>
-            <p:ph sz="half" idx="2"/>
+            <p:ph sz="half" idx="2" hasCustomPrompt="1"/>
           </p:nvPr>
         </p:nvSpPr>
         <p:spPr>
@@ -1300,7 +1300,7 @@
             <a:spLocks noGrp="1"/>
           </p:cNvSpPr>
           <p:nvPr>
-            <p:ph type="title"/>
+            <p:ph type="title" hasCustomPrompt="1"/>
           </p:nvPr>
         </p:nvSpPr>
         <p:spPr>
@@ -1328,7 +1328,7 @@
             <a:spLocks noGrp="1"/>
           </p:cNvSpPr>
           <p:nvPr>
-            <p:ph type="body" idx="1"/>
+            <p:ph type="body" idx="1" hasCustomPrompt="1"/>
           </p:nvPr>
         </p:nvSpPr>
         <p:spPr>
@@ -1393,7 +1393,7 @@
             <a:spLocks noGrp="1"/>
           </p:cNvSpPr>
           <p:nvPr>
-            <p:ph sz="half" idx="2"/>
+            <p:ph sz="half" idx="2" hasCustomPrompt="1"/>
           </p:nvPr>
         </p:nvSpPr>
         <p:spPr>
@@ -1454,7 +1454,7 @@
             <a:spLocks noGrp="1"/>
           </p:cNvSpPr>
           <p:nvPr>
-            <p:ph type="body" sz="quarter" idx="3"/>
+            <p:ph type="body" sz="quarter" idx="3" hasCustomPrompt="1"/>
           </p:nvPr>
         </p:nvSpPr>
         <p:spPr>
@@ -1519,7 +1519,7 @@
             <a:spLocks noGrp="1"/>
           </p:cNvSpPr>
           <p:nvPr>
-            <p:ph sz="quarter" idx="4"/>
+            <p:ph sz="quarter" idx="4" hasCustomPrompt="1"/>
           </p:nvPr>
         </p:nvSpPr>
         <p:spPr>
@@ -1668,7 +1668,7 @@
             <a:spLocks noGrp="1"/>
           </p:cNvSpPr>
           <p:nvPr>
-            <p:ph type="title"/>
+            <p:ph type="title" hasCustomPrompt="1"/>
           </p:nvPr>
         </p:nvSpPr>
         <p:spPr/>
@@ -1867,7 +1867,7 @@
             <a:spLocks noGrp="1"/>
           </p:cNvSpPr>
           <p:nvPr>
-            <p:ph type="title"/>
+            <p:ph type="title" hasCustomPrompt="1"/>
           </p:nvPr>
         </p:nvSpPr>
         <p:spPr>
@@ -1899,7 +1899,7 @@
             <a:spLocks noGrp="1"/>
           </p:cNvSpPr>
           <p:nvPr>
-            <p:ph idx="1"/>
+            <p:ph idx="1" hasCustomPrompt="1"/>
           </p:nvPr>
         </p:nvSpPr>
         <p:spPr>
@@ -1988,7 +1988,7 @@
             <a:spLocks noGrp="1"/>
           </p:cNvSpPr>
           <p:nvPr>
-            <p:ph type="body" sz="half" idx="2"/>
+            <p:ph type="body" sz="half" idx="2" hasCustomPrompt="1"/>
           </p:nvPr>
         </p:nvSpPr>
         <p:spPr>
@@ -2141,7 +2141,7 @@
             <a:spLocks noGrp="1"/>
           </p:cNvSpPr>
           <p:nvPr>
-            <p:ph type="title"/>
+            <p:ph type="title" hasCustomPrompt="1"/>
           </p:nvPr>
         </p:nvSpPr>
         <p:spPr>
@@ -2234,7 +2234,7 @@
             <a:spLocks noGrp="1"/>
           </p:cNvSpPr>
           <p:nvPr>
-            <p:ph type="body" sz="half" idx="2"/>
+            <p:ph type="body" sz="half" idx="2" hasCustomPrompt="1"/>
           </p:nvPr>
         </p:nvSpPr>
         <p:spPr>
@@ -2948,7 +2948,7 @@
           <a:prstGeom prst="line">
             <a:avLst/>
           </a:prstGeom>
-          <a:ln w="34925"/>
+          <a:ln w="63500"/>
         </p:spPr>
         <p:style>
           <a:lnRef idx="1">
@@ -2979,7 +2979,7 @@
           <a:prstGeom prst="line">
             <a:avLst/>
           </a:prstGeom>
-          <a:ln w="34925"/>
+          <a:ln w="63500"/>
         </p:spPr>
         <p:style>
           <a:lnRef idx="1">
@@ -3005,7 +3005,7 @@
         <p:spPr>
           <a:xfrm>
             <a:off x="1402715" y="866775"/>
-            <a:ext cx="714375" cy="365760"/>
+            <a:ext cx="891540" cy="457200"/>
           </a:xfrm>
           <a:prstGeom prst="rect">
             <a:avLst/>
@@ -3018,14 +3018,14 @@
           </a:bodyPr>
           <a:p>
             <a:r>
-              <a:rPr lang="x-none" altLang="zh-CN"/>
+              <a:rPr lang="x-none" altLang="zh-CN" sz="2400" b="1"/>
               <a:t>node</a:t>
             </a:r>
             <a:r>
-              <a:rPr lang="x-none" altLang="zh-CN" baseline="-25000"/>
+              <a:rPr lang="x-none" altLang="zh-CN" sz="2400" b="1" baseline="-25000"/>
               <a:t>1</a:t>
             </a:r>
-            <a:endParaRPr lang="x-none" altLang="zh-CN" baseline="-25000"/>
+            <a:endParaRPr lang="x-none" altLang="zh-CN" sz="2400" b="1" baseline="-25000"/>
           </a:p>
         </p:txBody>
       </p:sp>
@@ -3038,7 +3038,7 @@
         <p:spPr>
           <a:xfrm>
             <a:off x="1402715" y="2592705"/>
-            <a:ext cx="714375" cy="365760"/>
+            <a:ext cx="891540" cy="457200"/>
           </a:xfrm>
           <a:prstGeom prst="rect">
             <a:avLst/>
@@ -3051,14 +3051,14 @@
           </a:bodyPr>
           <a:p>
             <a:r>
-              <a:rPr lang="x-none" altLang="zh-CN"/>
+              <a:rPr lang="x-none" altLang="zh-CN" sz="2400" b="1"/>
               <a:t>node</a:t>
             </a:r>
             <a:r>
-              <a:rPr lang="x-none" altLang="zh-CN" baseline="-25000"/>
+              <a:rPr lang="x-none" altLang="zh-CN" sz="2400" b="1" baseline="-25000"/>
               <a:t>2</a:t>
             </a:r>
-            <a:endParaRPr lang="x-none" altLang="zh-CN" baseline="-25000"/>
+            <a:endParaRPr lang="x-none" altLang="zh-CN" sz="2400" b="1" baseline="-25000"/>
           </a:p>
         </p:txBody>
       </p:sp>
@@ -3071,7 +3071,7 @@
         <p:spPr>
           <a:xfrm>
             <a:off x="1402715" y="4582795"/>
-            <a:ext cx="714375" cy="365760"/>
+            <a:ext cx="891540" cy="457200"/>
           </a:xfrm>
           <a:prstGeom prst="rect">
             <a:avLst/>
@@ -3084,14 +3084,14 @@
           </a:bodyPr>
           <a:p>
             <a:r>
-              <a:rPr lang="x-none" altLang="zh-CN"/>
+              <a:rPr lang="x-none" altLang="zh-CN" sz="2400" b="1"/>
               <a:t>node</a:t>
             </a:r>
             <a:r>
-              <a:rPr lang="x-none" altLang="zh-CN" baseline="-25000"/>
+              <a:rPr lang="x-none" altLang="zh-CN" sz="2400" b="1" baseline="-25000"/>
               <a:t>3</a:t>
             </a:r>
-            <a:endParaRPr lang="x-none" altLang="zh-CN" baseline="-25000"/>
+            <a:endParaRPr lang="x-none" altLang="zh-CN" sz="2400" b="1" baseline="-25000"/>
           </a:p>
         </p:txBody>
       </p:sp>
@@ -3145,8 +3145,8 @@
         </p:nvSpPr>
         <p:spPr>
           <a:xfrm>
-            <a:off x="2863850" y="292100"/>
-            <a:ext cx="714375" cy="365760"/>
+            <a:off x="2905125" y="292100"/>
+            <a:ext cx="891540" cy="457200"/>
           </a:xfrm>
           <a:prstGeom prst="rect">
             <a:avLst/>
@@ -3159,14 +3159,14 @@
           </a:bodyPr>
           <a:p>
             <a:r>
-              <a:rPr lang="x-none" altLang="zh-CN"/>
+              <a:rPr lang="x-none" altLang="zh-CN" sz="2400" b="1"/>
               <a:t>node</a:t>
             </a:r>
             <a:r>
-              <a:rPr lang="x-none" altLang="zh-CN" baseline="-25000"/>
+              <a:rPr lang="x-none" altLang="zh-CN" sz="2400" b="1" baseline="-25000"/>
               <a:t>1</a:t>
             </a:r>
-            <a:endParaRPr lang="x-none" altLang="zh-CN" baseline="-25000"/>
+            <a:endParaRPr lang="x-none" altLang="zh-CN" sz="2400" b="1" baseline="-25000"/>
           </a:p>
         </p:txBody>
       </p:sp>
@@ -3179,7 +3179,7 @@
         <p:spPr>
           <a:xfrm>
             <a:off x="4714875" y="292100"/>
-            <a:ext cx="714375" cy="365760"/>
+            <a:ext cx="891540" cy="457200"/>
           </a:xfrm>
           <a:prstGeom prst="rect">
             <a:avLst/>
@@ -3192,14 +3192,14 @@
           </a:bodyPr>
           <a:p>
             <a:r>
-              <a:rPr lang="x-none" altLang="zh-CN"/>
+              <a:rPr lang="x-none" altLang="zh-CN" sz="2400" b="1"/>
               <a:t>node</a:t>
             </a:r>
             <a:r>
-              <a:rPr lang="x-none" altLang="zh-CN" baseline="-25000"/>
+              <a:rPr lang="x-none" altLang="zh-CN" sz="2400" b="1" baseline="-25000"/>
               <a:t>2</a:t>
             </a:r>
-            <a:endParaRPr lang="x-none" altLang="zh-CN" baseline="-25000"/>
+            <a:endParaRPr lang="x-none" altLang="zh-CN" sz="2400" b="1" baseline="-25000"/>
           </a:p>
         </p:txBody>
       </p:sp>
@@ -3212,7 +3212,7 @@
         <p:spPr>
           <a:xfrm>
             <a:off x="7349490" y="292735"/>
-            <a:ext cx="714375" cy="365760"/>
+            <a:ext cx="891540" cy="457200"/>
           </a:xfrm>
           <a:prstGeom prst="rect">
             <a:avLst/>
@@ -3225,14 +3225,14 @@
           </a:bodyPr>
           <a:p>
             <a:r>
-              <a:rPr lang="x-none" altLang="zh-CN"/>
+              <a:rPr lang="x-none" altLang="zh-CN" sz="2400" b="1"/>
               <a:t>node</a:t>
             </a:r>
             <a:r>
-              <a:rPr lang="x-none" altLang="zh-CN" baseline="-25000"/>
+              <a:rPr lang="x-none" altLang="zh-CN" sz="2400" b="1" baseline="-25000"/>
               <a:t>3</a:t>
             </a:r>
-            <a:endParaRPr lang="x-none" altLang="zh-CN" baseline="-25000"/>
+            <a:endParaRPr lang="x-none" altLang="zh-CN" sz="2400" b="1" baseline="-25000"/>
           </a:p>
         </p:txBody>
       </p:sp>
@@ -3250,7 +3250,7 @@
           <a:prstGeom prst="line">
             <a:avLst/>
           </a:prstGeom>
-          <a:ln w="31750"/>
+          <a:ln w="63500"/>
         </p:spPr>
         <p:style>
           <a:lnRef idx="1">
@@ -3281,7 +3281,7 @@
           <a:prstGeom prst="line">
             <a:avLst/>
           </a:prstGeom>
-          <a:ln w="31750"/>
+          <a:ln w="63500"/>
         </p:spPr>
         <p:style>
           <a:lnRef idx="1">
